--- a/deep-learning-in-practice-with-pytorch/X-regularization.pptx
+++ b/deep-learning-in-practice-with-pytorch/X-regularization.pptx
@@ -8,11 +8,12 @@
     <p:sldId id="257" r:id="rId2"/>
     <p:sldId id="258" r:id="rId3"/>
     <p:sldId id="259" r:id="rId4"/>
-    <p:sldId id="264" r:id="rId5"/>
-    <p:sldId id="260" r:id="rId6"/>
+    <p:sldId id="260" r:id="rId5"/>
+    <p:sldId id="264" r:id="rId6"/>
     <p:sldId id="261" r:id="rId7"/>
     <p:sldId id="262" r:id="rId8"/>
     <p:sldId id="263" r:id="rId9"/>
+    <p:sldId id="405" r:id="rId10"/>
   </p:sldIdLst>
   <p:sldSz cx="12192000" cy="6858000"/>
   <p:notesSz cx="6858000" cy="9144000"/>
@@ -2068,11 +2069,87 @@
           <a:p>
             <a:r>
               <a:rPr lang="en-US" dirty="0"/>
-              <a:t>An ally in the battle to fight </a:t>
+              <a:t>An ally in the battle to fight against </a:t>
             </a:r>
             <a:r>
               <a:rPr lang="en-US" b="1" dirty="0"/>
               <a:t>overfitting</a:t>
+            </a:r>
+          </a:p>
+          <a:p>
+            <a:pPr lvl="1"/>
+            <a:r>
+              <a:rPr lang="en-US" dirty="0"/>
+              <a:t>Neural network researchers noticed a </a:t>
+            </a:r>
+            <a:r>
+              <a:rPr lang="en-US" i="1" dirty="0"/>
+              <a:t>correlation </a:t>
+            </a:r>
+            <a:r>
+              <a:rPr lang="en-US" dirty="0"/>
+              <a:t>with overfitting</a:t>
+            </a:r>
+          </a:p>
+          <a:p>
+            <a:pPr lvl="1"/>
+            <a:r>
+              <a:rPr lang="en-US" dirty="0"/>
+              <a:t>Parameters or neuron outputs with large absolute values</a:t>
+            </a:r>
+          </a:p>
+          <a:p>
+            <a:pPr lvl="1"/>
+            <a:endParaRPr lang="en-US" dirty="0"/>
+          </a:p>
+          <a:p>
+            <a:r>
+              <a:rPr lang="en-US" dirty="0"/>
+              <a:t>If parameter values represent “knowledge”</a:t>
+            </a:r>
+          </a:p>
+          <a:p>
+            <a:pPr lvl="1"/>
+            <a:r>
+              <a:rPr lang="en-US" dirty="0"/>
+              <a:t>High values mean </a:t>
+            </a:r>
+            <a:r>
+              <a:rPr lang="en-US" i="1" dirty="0"/>
+              <a:t>hyperspecialized</a:t>
+            </a:r>
+            <a:r>
+              <a:rPr lang="en-US" dirty="0"/>
+              <a:t> neurons</a:t>
+            </a:r>
+          </a:p>
+          <a:p>
+            <a:pPr lvl="1"/>
+            <a:r>
+              <a:rPr lang="en-US" dirty="0"/>
+              <a:t>If for some reason </a:t>
+            </a:r>
+            <a:r>
+              <a:rPr lang="en-US" b="1" dirty="0"/>
+              <a:t>they are not activated</a:t>
+            </a:r>
+            <a:r>
+              <a:rPr lang="en-US" dirty="0"/>
+              <a:t>, everything after fails</a:t>
+            </a:r>
+          </a:p>
+          <a:p>
+            <a:pPr lvl="1"/>
+            <a:r>
+              <a:rPr lang="en-US" dirty="0"/>
+              <a:t>Ideally, we would like knowledge to be more spread out</a:t>
+            </a:r>
+          </a:p>
+          <a:p>
+            <a:pPr lvl="1"/>
+            <a:r>
+              <a:rPr lang="en-US" dirty="0"/>
+              <a:t>“More paths”, redundancy</a:t>
             </a:r>
           </a:p>
         </p:txBody>
@@ -2112,7 +2189,7 @@
           <p:cNvPr id="2" name="Titre 1">
             <a:extLst>
               <a:ext uri="{FF2B5EF4-FFF2-40B4-BE49-F238E27FC236}">
-                <a16:creationId xmlns:a16="http://schemas.microsoft.com/office/drawing/2014/main" id="{15AB0AB9-ACB1-407C-A084-1BFFC31CBFB7}"/>
+                <a16:creationId xmlns:a16="http://schemas.microsoft.com/office/drawing/2014/main" id="{95387EC1-A624-4F01-8298-B06A34F45460}"/>
               </a:ext>
             </a:extLst>
           </p:cNvPr>
@@ -2130,7 +2207,7 @@
           <a:p>
             <a:r>
               <a:rPr lang="en-US" dirty="0"/>
-              <a:t>A practical approach</a:t>
+              <a:t>L1/L2 regularization</a:t>
             </a:r>
           </a:p>
         </p:txBody>
@@ -2140,7 +2217,7 @@
           <p:cNvPr id="3" name="Espace réservé du texte 2">
             <a:extLst>
               <a:ext uri="{FF2B5EF4-FFF2-40B4-BE49-F238E27FC236}">
-                <a16:creationId xmlns:a16="http://schemas.microsoft.com/office/drawing/2014/main" id="{5719DE9E-2278-4528-8190-582C0199D49A}"/>
+                <a16:creationId xmlns:a16="http://schemas.microsoft.com/office/drawing/2014/main" id="{9FFE6FCB-CA2B-495A-92E6-74C240FBC485}"/>
               </a:ext>
             </a:extLst>
           </p:cNvPr>
@@ -2158,13 +2235,13 @@
           <a:p>
             <a:r>
               <a:rPr lang="en-US" dirty="0"/>
-              <a:t>Overfitting correlated with parameters values</a:t>
+              <a:t>We would like the network to fit the data, but also not parameter values much larger than others in same module</a:t>
             </a:r>
           </a:p>
           <a:p>
             <a:r>
               <a:rPr lang="en-US" dirty="0"/>
-              <a:t>In general, we don’t want weights in same layer much larger than the others</a:t>
+              <a:t>What can we do?</a:t>
             </a:r>
           </a:p>
         </p:txBody>
@@ -2172,7 +2249,7 @@
     </p:spTree>
     <p:extLst>
       <p:ext uri="{BB962C8B-B14F-4D97-AF65-F5344CB8AC3E}">
-        <p14:creationId xmlns:p14="http://schemas.microsoft.com/office/powerpoint/2010/main" val="1323211485"/>
+        <p14:creationId xmlns:p14="http://schemas.microsoft.com/office/powerpoint/2010/main" val="3205018309"/>
       </p:ext>
     </p:extLst>
   </p:cSld>
@@ -2227,35 +2304,197 @@
           </a:p>
         </p:txBody>
       </p:sp>
-      <p:sp>
-        <p:nvSpPr>
-          <p:cNvPr id="3" name="Espace réservé du texte 2">
+      <mc:AlternateContent xmlns:mc="http://schemas.openxmlformats.org/markup-compatibility/2006">
+        <mc:Choice xmlns:a14="http://schemas.microsoft.com/office/drawing/2010/main" Requires="a14">
+          <p:sp>
+            <p:nvSpPr>
+              <p:cNvPr id="3" name="Espace réservé du texte 2">
+                <a:extLst>
+                  <a:ext uri="{FF2B5EF4-FFF2-40B4-BE49-F238E27FC236}">
+                    <a16:creationId xmlns:a16="http://schemas.microsoft.com/office/drawing/2014/main" id="{9FFE6FCB-CA2B-495A-92E6-74C240FBC485}"/>
+                  </a:ext>
+                </a:extLst>
+              </p:cNvPr>
+              <p:cNvSpPr>
+                <a:spLocks noGrp="1"/>
+              </p:cNvSpPr>
+              <p:nvPr>
+                <p:ph type="body" sz="quarter" idx="10"/>
+              </p:nvPr>
+            </p:nvSpPr>
+            <p:spPr/>
+            <p:txBody>
+              <a:bodyPr/>
+              <a:lstStyle/>
+              <a:p>
+                <a:r>
+                  <a:rPr lang="en-US" dirty="0"/>
+                  <a:t>We would like the network to fit the data, but also not parameter values much larger than others in same module</a:t>
+                </a:r>
+              </a:p>
+              <a:p>
+                <a:endParaRPr lang="en-US" dirty="0"/>
+              </a:p>
+              <a:p>
+                <a:r>
+                  <a:rPr lang="en-US" dirty="0"/>
+                  <a:t>Modify the </a:t>
+                </a:r>
+                <a:r>
+                  <a:rPr lang="en-US" b="1" dirty="0"/>
+                  <a:t>loss function</a:t>
+                </a:r>
+              </a:p>
+              <a:p>
+                <a:pPr lvl="1"/>
+                <a:r>
+                  <a:rPr lang="en-US" dirty="0"/>
+                  <a:t>Add another term, penalize models</a:t>
+                </a:r>
+                <a:br>
+                  <a:rPr lang="en-US" dirty="0"/>
+                </a:br>
+                <a:r>
+                  <a:rPr lang="en-US" dirty="0"/>
+                  <a:t>with large sum of absolute values</a:t>
+                </a:r>
+                <a:br>
+                  <a:rPr lang="en-US" dirty="0"/>
+                </a:br>
+                <a:r>
+                  <a:rPr lang="en-US" dirty="0"/>
+                  <a:t>of weights (L1)</a:t>
+                </a:r>
+              </a:p>
+              <a:p>
+                <a:pPr lvl="1"/>
+                <a:r>
+                  <a:rPr lang="en-US" dirty="0"/>
+                  <a:t>Or large sum of squared values of</a:t>
+                </a:r>
+                <a:br>
+                  <a:rPr lang="en-US" dirty="0"/>
+                </a:br>
+                <a:r>
+                  <a:rPr lang="en-US" dirty="0"/>
+                  <a:t>weights (L2) </a:t>
+                </a:r>
+              </a:p>
+              <a:p>
+                <a:pPr lvl="1"/>
+                <a:r>
+                  <a:rPr lang="en-US" dirty="0"/>
+                  <a:t>Weighted sum with hyperparameter </a:t>
+                </a:r>
+                <a14:m>
+                  <m:oMath xmlns:m="http://schemas.openxmlformats.org/officeDocument/2006/math">
+                    <m:r>
+                      <m:rPr>
+                        <m:sty m:val="p"/>
+                      </m:rPr>
+                      <a:rPr lang="it-IT" b="0" i="1" smtClean="0">
+                        <a:latin typeface="Cambria Math" panose="02040503050406030204" pitchFamily="18" charset="0"/>
+                      </a:rPr>
+                      <m:t>λ</m:t>
+                    </m:r>
+                  </m:oMath>
+                </a14:m>
+                <a:endParaRPr lang="it-IT" b="0" dirty="0"/>
+              </a:p>
+            </p:txBody>
+          </p:sp>
+        </mc:Choice>
+        <mc:Fallback>
+          <p:sp>
+            <p:nvSpPr>
+              <p:cNvPr id="3" name="Espace réservé du texte 2">
+                <a:extLst>
+                  <a:ext uri="{FF2B5EF4-FFF2-40B4-BE49-F238E27FC236}">
+                    <a16:creationId xmlns:a16="http://schemas.microsoft.com/office/drawing/2014/main" id="{9FFE6FCB-CA2B-495A-92E6-74C240FBC485}"/>
+                  </a:ext>
+                </a:extLst>
+              </p:cNvPr>
+              <p:cNvSpPr>
+                <a:spLocks noGrp="1" noRot="1" noChangeAspect="1" noMove="1" noResize="1" noEditPoints="1" noAdjustHandles="1" noChangeArrowheads="1" noChangeShapeType="1" noTextEdit="1"/>
+              </p:cNvSpPr>
+              <p:nvPr>
+                <p:ph type="body" sz="quarter" idx="10"/>
+              </p:nvPr>
+            </p:nvSpPr>
+            <p:spPr>
+              <a:blipFill>
+                <a:blip r:embed="rId2"/>
+                <a:stretch>
+                  <a:fillRect l="-1333" t="-2734" b="-1953"/>
+                </a:stretch>
+              </a:blipFill>
+            </p:spPr>
+            <p:txBody>
+              <a:bodyPr/>
+              <a:lstStyle/>
+              <a:p>
+                <a:r>
+                  <a:rPr lang="en-US">
+                    <a:noFill/>
+                  </a:rPr>
+                  <a:t> </a:t>
+                </a:r>
+              </a:p>
+            </p:txBody>
+          </p:sp>
+        </mc:Fallback>
+      </mc:AlternateContent>
+      <p:pic>
+        <p:nvPicPr>
+          <p:cNvPr id="2050" name="Picture 2" descr="L1 vs L2 Regularization: The intuitive difference | by Dhaval Taunk |  Analytics Vidhya | Medium">
             <a:extLst>
               <a:ext uri="{FF2B5EF4-FFF2-40B4-BE49-F238E27FC236}">
-                <a16:creationId xmlns:a16="http://schemas.microsoft.com/office/drawing/2014/main" id="{9FFE6FCB-CA2B-495A-92E6-74C240FBC485}"/>
+                <a16:creationId xmlns:a16="http://schemas.microsoft.com/office/drawing/2014/main" id="{FCAC36C7-40A8-4771-8F42-E553031BD504}"/>
               </a:ext>
             </a:extLst>
           </p:cNvPr>
-          <p:cNvSpPr>
-            <a:spLocks noGrp="1"/>
-          </p:cNvSpPr>
-          <p:nvPr>
-            <p:ph type="body" sz="quarter" idx="10"/>
-          </p:nvPr>
-        </p:nvSpPr>
-        <p:spPr/>
-        <p:txBody>
-          <a:bodyPr/>
-          <a:lstStyle/>
-          <a:p>
-            <a:endParaRPr lang="en-US"/>
-          </a:p>
-        </p:txBody>
-      </p:sp>
+          <p:cNvPicPr>
+            <a:picLocks noChangeAspect="1" noChangeArrowheads="1"/>
+          </p:cNvPicPr>
+          <p:nvPr/>
+        </p:nvPicPr>
+        <p:blipFill>
+          <a:blip r:embed="rId3">
+            <a:extLst>
+              <a:ext uri="{28A0092B-C50C-407E-A947-70E740481C1C}">
+                <a14:useLocalDpi xmlns:a14="http://schemas.microsoft.com/office/drawing/2010/main" val="0"/>
+              </a:ext>
+            </a:extLst>
+          </a:blip>
+          <a:srcRect/>
+          <a:stretch>
+            <a:fillRect/>
+          </a:stretch>
+        </p:blipFill>
+        <p:spPr bwMode="auto">
+          <a:xfrm>
+            <a:off x="7522590" y="3004784"/>
+            <a:ext cx="4360192" cy="3171049"/>
+          </a:xfrm>
+          <a:prstGeom prst="rect">
+            <a:avLst/>
+          </a:prstGeom>
+          <a:noFill/>
+          <a:extLst>
+            <a:ext uri="{909E8E84-426E-40DD-AFC4-6F175D3DCCD1}">
+              <a14:hiddenFill xmlns:a14="http://schemas.microsoft.com/office/drawing/2010/main">
+                <a:solidFill>
+                  <a:srgbClr val="FFFFFF"/>
+                </a:solidFill>
+              </a14:hiddenFill>
+            </a:ext>
+          </a:extLst>
+        </p:spPr>
+      </p:pic>
     </p:spTree>
     <p:extLst>
       <p:ext uri="{BB962C8B-B14F-4D97-AF65-F5344CB8AC3E}">
-        <p14:creationId xmlns:p14="http://schemas.microsoft.com/office/powerpoint/2010/main" val="3205018309"/>
+        <p14:creationId xmlns:p14="http://schemas.microsoft.com/office/powerpoint/2010/main" val="2623007792"/>
       </p:ext>
     </p:extLst>
   </p:cSld>
@@ -2331,7 +2570,84 @@
           <a:bodyPr/>
           <a:lstStyle/>
           <a:p>
-            <a:endParaRPr lang="en-US"/>
+            <a:r>
+              <a:rPr lang="en-US" dirty="0"/>
+              <a:t>Popular technique (for a while)</a:t>
+            </a:r>
+          </a:p>
+          <a:p>
+            <a:pPr lvl="1"/>
+            <a:r>
+              <a:rPr lang="en-US" dirty="0"/>
+              <a:t>Active </a:t>
+            </a:r>
+            <a:r>
+              <a:rPr lang="en-US" u="sng" dirty="0"/>
+              <a:t>only during the training process</a:t>
+            </a:r>
+          </a:p>
+          <a:p>
+            <a:pPr lvl="1"/>
+            <a:r>
+              <a:rPr lang="en-US" dirty="0"/>
+              <a:t>During forward pass, </a:t>
+            </a:r>
+            <a:r>
+              <a:rPr lang="en-US" b="1" dirty="0"/>
+              <a:t>randomly set</a:t>
+            </a:r>
+            <a:r>
+              <a:rPr lang="en-US" dirty="0"/>
+              <a:t> input tensor element to </a:t>
+            </a:r>
+            <a:r>
+              <a:rPr lang="en-US" b="1" dirty="0"/>
+              <a:t>zero</a:t>
+            </a:r>
+          </a:p>
+          <a:p>
+            <a:pPr lvl="1"/>
+            <a:r>
+              <a:rPr lang="en-US" dirty="0"/>
+              <a:t>This also impacts backward pass and gradient updates</a:t>
+            </a:r>
+          </a:p>
+          <a:p>
+            <a:pPr lvl="1"/>
+            <a:r>
+              <a:rPr lang="en-US" dirty="0"/>
+              <a:t>Only parameter is a </a:t>
+            </a:r>
+            <a:r>
+              <a:rPr lang="en-US" b="1" dirty="0"/>
+              <a:t>probability</a:t>
+            </a:r>
+            <a:r>
+              <a:rPr lang="en-US" dirty="0"/>
+              <a:t>, applied to each tensor element</a:t>
+            </a:r>
+          </a:p>
+          <a:p>
+            <a:pPr lvl="1"/>
+            <a:r>
+              <a:rPr lang="en-US" dirty="0"/>
+              <a:t>Can also be seen as </a:t>
+            </a:r>
+            <a:r>
+              <a:rPr lang="en-US" b="1" dirty="0"/>
+              <a:t>setting neuron output to zero</a:t>
+            </a:r>
+          </a:p>
+          <a:p>
+            <a:pPr lvl="1"/>
+            <a:r>
+              <a:rPr lang="en-US" dirty="0"/>
+              <a:t>Can be applied (or less) independently to each module</a:t>
+            </a:r>
+          </a:p>
+          <a:p>
+            <a:pPr lvl="1"/>
+            <a:endParaRPr lang="en-US" dirty="0"/>
           </a:p>
         </p:txBody>
       </p:sp>
@@ -2393,31 +2709,409 @@
           </a:p>
         </p:txBody>
       </p:sp>
-      <p:sp>
-        <p:nvSpPr>
-          <p:cNvPr id="3" name="Espace réservé du texte 2">
-            <a:extLst>
-              <a:ext uri="{FF2B5EF4-FFF2-40B4-BE49-F238E27FC236}">
-                <a16:creationId xmlns:a16="http://schemas.microsoft.com/office/drawing/2014/main" id="{80E5D960-A47F-4E77-B2C0-36A83CD78BDD}"/>
-              </a:ext>
-            </a:extLst>
-          </p:cNvPr>
-          <p:cNvSpPr>
-            <a:spLocks noGrp="1"/>
-          </p:cNvSpPr>
-          <p:nvPr>
-            <p:ph type="body" sz="quarter" idx="10"/>
-          </p:nvPr>
-        </p:nvSpPr>
-        <p:spPr/>
-        <p:txBody>
-          <a:bodyPr/>
-          <a:lstStyle/>
-          <a:p>
-            <a:endParaRPr lang="en-US"/>
-          </a:p>
-        </p:txBody>
-      </p:sp>
+      <mc:AlternateContent xmlns:mc="http://schemas.openxmlformats.org/markup-compatibility/2006">
+        <mc:Choice xmlns:a14="http://schemas.microsoft.com/office/drawing/2010/main" Requires="a14">
+          <p:sp>
+            <p:nvSpPr>
+              <p:cNvPr id="3" name="Espace réservé du texte 2">
+                <a:extLst>
+                  <a:ext uri="{FF2B5EF4-FFF2-40B4-BE49-F238E27FC236}">
+                    <a16:creationId xmlns:a16="http://schemas.microsoft.com/office/drawing/2014/main" id="{80E5D960-A47F-4E77-B2C0-36A83CD78BDD}"/>
+                  </a:ext>
+                </a:extLst>
+              </p:cNvPr>
+              <p:cNvSpPr>
+                <a:spLocks noGrp="1"/>
+              </p:cNvSpPr>
+              <p:nvPr>
+                <p:ph type="body" sz="quarter" idx="10"/>
+              </p:nvPr>
+            </p:nvSpPr>
+            <p:spPr/>
+            <p:txBody>
+              <a:bodyPr/>
+              <a:lstStyle/>
+              <a:p>
+                <a:r>
+                  <a:rPr lang="en-US" dirty="0"/>
+                  <a:t>Growing in popularity in recent years</a:t>
+                </a:r>
+              </a:p>
+              <a:p>
+                <a:r>
+                  <a:rPr lang="en-US" dirty="0"/>
+                  <a:t>Like Dropout, can be applied (or not) to each module</a:t>
+                </a:r>
+              </a:p>
+              <a:p>
+                <a:r>
+                  <a:rPr lang="en-US" dirty="0"/>
+                  <a:t>Normalize output tensor of a module </a:t>
+                </a:r>
+                <a14:m>
+                  <m:oMath xmlns:m="http://schemas.openxmlformats.org/officeDocument/2006/math">
+                    <m:r>
+                      <a:rPr lang="it-IT" b="0" i="1" smtClean="0">
+                        <a:latin typeface="Cambria Math" panose="02040503050406030204" pitchFamily="18" charset="0"/>
+                      </a:rPr>
+                      <m:t>𝑧</m:t>
+                    </m:r>
+                  </m:oMath>
+                </a14:m>
+                <a:r>
+                  <a:rPr lang="en-US" dirty="0"/>
+                  <a:t>, for each dimension </a:t>
+                </a:r>
+                <a14:m>
+                  <m:oMath xmlns:m="http://schemas.openxmlformats.org/officeDocument/2006/math">
+                    <m:r>
+                      <a:rPr lang="it-IT" b="0" i="1" smtClean="0">
+                        <a:latin typeface="Cambria Math" panose="02040503050406030204" pitchFamily="18" charset="0"/>
+                      </a:rPr>
+                      <m:t>𝑖</m:t>
+                    </m:r>
+                  </m:oMath>
+                </a14:m>
+                <a:endParaRPr lang="en-US" dirty="0"/>
+              </a:p>
+              <a:p>
+                <a:pPr lvl="1"/>
+                <a14:m>
+                  <m:oMath xmlns:m="http://schemas.openxmlformats.org/officeDocument/2006/math">
+                    <m:sSubSup>
+                      <m:sSubSupPr>
+                        <m:ctrlPr>
+                          <a:rPr lang="it-IT" b="0" i="1" smtClean="0">
+                            <a:latin typeface="Cambria Math" panose="02040503050406030204" pitchFamily="18" charset="0"/>
+                          </a:rPr>
+                        </m:ctrlPr>
+                      </m:sSubSupPr>
+                      <m:e>
+                        <m:r>
+                          <a:rPr lang="it-IT" b="0" i="1" smtClean="0">
+                            <a:latin typeface="Cambria Math" panose="02040503050406030204" pitchFamily="18" charset="0"/>
+                          </a:rPr>
+                          <m:t>𝑧</m:t>
+                        </m:r>
+                      </m:e>
+                      <m:sub>
+                        <m:r>
+                          <a:rPr lang="it-IT" b="0" i="1" smtClean="0">
+                            <a:latin typeface="Cambria Math" panose="02040503050406030204" pitchFamily="18" charset="0"/>
+                          </a:rPr>
+                          <m:t>𝑖</m:t>
+                        </m:r>
+                      </m:sub>
+                      <m:sup>
+                        <m:r>
+                          <a:rPr lang="it-IT" b="0" i="1" smtClean="0">
+                            <a:latin typeface="Cambria Math" panose="02040503050406030204" pitchFamily="18" charset="0"/>
+                          </a:rPr>
+                          <m:t>′</m:t>
+                        </m:r>
+                      </m:sup>
+                    </m:sSubSup>
+                    <m:r>
+                      <a:rPr lang="it-IT" b="0" i="1" smtClean="0">
+                        <a:latin typeface="Cambria Math" panose="02040503050406030204" pitchFamily="18" charset="0"/>
+                      </a:rPr>
+                      <m:t>=</m:t>
+                    </m:r>
+                    <m:f>
+                      <m:fPr>
+                        <m:ctrlPr>
+                          <a:rPr lang="it-IT" b="0" i="1" smtClean="0">
+                            <a:latin typeface="Cambria Math" panose="02040503050406030204" pitchFamily="18" charset="0"/>
+                          </a:rPr>
+                        </m:ctrlPr>
+                      </m:fPr>
+                      <m:num>
+                        <m:sSub>
+                          <m:sSubPr>
+                            <m:ctrlPr>
+                              <a:rPr lang="it-IT" b="0" i="1" smtClean="0">
+                                <a:latin typeface="Cambria Math" panose="02040503050406030204" pitchFamily="18" charset="0"/>
+                              </a:rPr>
+                            </m:ctrlPr>
+                          </m:sSubPr>
+                          <m:e>
+                            <m:r>
+                              <a:rPr lang="it-IT" b="0" i="1" smtClean="0">
+                                <a:latin typeface="Cambria Math" panose="02040503050406030204" pitchFamily="18" charset="0"/>
+                              </a:rPr>
+                              <m:t>𝑧</m:t>
+                            </m:r>
+                          </m:e>
+                          <m:sub>
+                            <m:r>
+                              <a:rPr lang="it-IT" b="0" i="1" smtClean="0">
+                                <a:latin typeface="Cambria Math" panose="02040503050406030204" pitchFamily="18" charset="0"/>
+                              </a:rPr>
+                              <m:t>𝑖</m:t>
+                            </m:r>
+                          </m:sub>
+                        </m:sSub>
+                        <m:r>
+                          <a:rPr lang="it-IT" b="0" i="1" smtClean="0">
+                            <a:latin typeface="Cambria Math" panose="02040503050406030204" pitchFamily="18" charset="0"/>
+                          </a:rPr>
+                          <m:t>−</m:t>
+                        </m:r>
+                        <m:acc>
+                          <m:accPr>
+                            <m:chr m:val="̅"/>
+                            <m:ctrlPr>
+                              <a:rPr lang="it-IT" b="0" i="1" smtClean="0">
+                                <a:latin typeface="Cambria Math" panose="02040503050406030204" pitchFamily="18" charset="0"/>
+                              </a:rPr>
+                            </m:ctrlPr>
+                          </m:accPr>
+                          <m:e>
+                            <m:sSub>
+                              <m:sSubPr>
+                                <m:ctrlPr>
+                                  <a:rPr lang="it-IT" b="0" i="1" smtClean="0">
+                                    <a:latin typeface="Cambria Math" panose="02040503050406030204" pitchFamily="18" charset="0"/>
+                                  </a:rPr>
+                                </m:ctrlPr>
+                              </m:sSubPr>
+                              <m:e>
+                                <m:r>
+                                  <a:rPr lang="it-IT" b="0" i="1" smtClean="0">
+                                    <a:latin typeface="Cambria Math" panose="02040503050406030204" pitchFamily="18" charset="0"/>
+                                  </a:rPr>
+                                  <m:t>𝑧</m:t>
+                                </m:r>
+                              </m:e>
+                              <m:sub>
+                                <m:r>
+                                  <a:rPr lang="it-IT" b="0" i="1" smtClean="0">
+                                    <a:latin typeface="Cambria Math" panose="02040503050406030204" pitchFamily="18" charset="0"/>
+                                  </a:rPr>
+                                  <m:t>𝑖</m:t>
+                                </m:r>
+                              </m:sub>
+                            </m:sSub>
+                          </m:e>
+                        </m:acc>
+                      </m:num>
+                      <m:den>
+                        <m:rad>
+                          <m:radPr>
+                            <m:degHide m:val="on"/>
+                            <m:ctrlPr>
+                              <a:rPr lang="it-IT" b="0" i="1" smtClean="0">
+                                <a:latin typeface="Cambria Math" panose="02040503050406030204" pitchFamily="18" charset="0"/>
+                              </a:rPr>
+                            </m:ctrlPr>
+                          </m:radPr>
+                          <m:deg/>
+                          <m:e>
+                            <m:r>
+                              <a:rPr lang="it-IT" i="1">
+                                <a:latin typeface="Cambria Math" panose="02040503050406030204" pitchFamily="18" charset="0"/>
+                              </a:rPr>
+                              <m:t>𝑉𝑎𝑟</m:t>
+                            </m:r>
+                            <m:d>
+                              <m:dPr>
+                                <m:ctrlPr>
+                                  <a:rPr lang="it-IT" i="1">
+                                    <a:latin typeface="Cambria Math" panose="02040503050406030204" pitchFamily="18" charset="0"/>
+                                  </a:rPr>
+                                </m:ctrlPr>
+                              </m:dPr>
+                              <m:e>
+                                <m:sSub>
+                                  <m:sSubPr>
+                                    <m:ctrlPr>
+                                      <a:rPr lang="it-IT" i="1">
+                                        <a:latin typeface="Cambria Math" panose="02040503050406030204" pitchFamily="18" charset="0"/>
+                                      </a:rPr>
+                                    </m:ctrlPr>
+                                  </m:sSubPr>
+                                  <m:e>
+                                    <m:r>
+                                      <a:rPr lang="it-IT" i="1">
+                                        <a:latin typeface="Cambria Math" panose="02040503050406030204" pitchFamily="18" charset="0"/>
+                                      </a:rPr>
+                                      <m:t>𝑧</m:t>
+                                    </m:r>
+                                  </m:e>
+                                  <m:sub>
+                                    <m:r>
+                                      <a:rPr lang="it-IT" i="1">
+                                        <a:latin typeface="Cambria Math" panose="02040503050406030204" pitchFamily="18" charset="0"/>
+                                      </a:rPr>
+                                      <m:t>𝑖</m:t>
+                                    </m:r>
+                                  </m:sub>
+                                </m:sSub>
+                              </m:e>
+                            </m:d>
+                            <m:r>
+                              <a:rPr lang="it-IT" i="1">
+                                <a:latin typeface="Cambria Math" panose="02040503050406030204" pitchFamily="18" charset="0"/>
+                              </a:rPr>
+                              <m:t>+</m:t>
+                            </m:r>
+                            <m:r>
+                              <a:rPr lang="it-IT" i="1">
+                                <a:latin typeface="Cambria Math" panose="02040503050406030204" pitchFamily="18" charset="0"/>
+                              </a:rPr>
+                              <m:t>𝜖</m:t>
+                            </m:r>
+                          </m:e>
+                        </m:rad>
+                      </m:den>
+                    </m:f>
+                    <m:r>
+                      <a:rPr lang="it-IT" b="0" i="1" smtClean="0">
+                        <a:latin typeface="Cambria Math" panose="02040503050406030204" pitchFamily="18" charset="0"/>
+                      </a:rPr>
+                      <m:t>⋅</m:t>
+                    </m:r>
+                    <m:sSub>
+                      <m:sSubPr>
+                        <m:ctrlPr>
+                          <a:rPr lang="it-IT" b="0" i="1" smtClean="0">
+                            <a:latin typeface="Cambria Math" panose="02040503050406030204" pitchFamily="18" charset="0"/>
+                          </a:rPr>
+                        </m:ctrlPr>
+                      </m:sSubPr>
+                      <m:e>
+                        <m:r>
+                          <a:rPr lang="it-IT" b="0" i="1" smtClean="0">
+                            <a:latin typeface="Cambria Math" panose="02040503050406030204" pitchFamily="18" charset="0"/>
+                          </a:rPr>
+                          <m:t>𝛾</m:t>
+                        </m:r>
+                      </m:e>
+                      <m:sub>
+                        <m:r>
+                          <a:rPr lang="it-IT" b="0" i="1" smtClean="0">
+                            <a:latin typeface="Cambria Math" panose="02040503050406030204" pitchFamily="18" charset="0"/>
+                          </a:rPr>
+                          <m:t>𝑖</m:t>
+                        </m:r>
+                      </m:sub>
+                    </m:sSub>
+                    <m:r>
+                      <a:rPr lang="it-IT" b="0" i="1" smtClean="0">
+                        <a:latin typeface="Cambria Math" panose="02040503050406030204" pitchFamily="18" charset="0"/>
+                      </a:rPr>
+                      <m:t>+</m:t>
+                    </m:r>
+                    <m:sSub>
+                      <m:sSubPr>
+                        <m:ctrlPr>
+                          <a:rPr lang="it-IT" b="0" i="1" smtClean="0">
+                            <a:latin typeface="Cambria Math" panose="02040503050406030204" pitchFamily="18" charset="0"/>
+                          </a:rPr>
+                        </m:ctrlPr>
+                      </m:sSubPr>
+                      <m:e>
+                        <m:r>
+                          <a:rPr lang="it-IT" b="0" i="1" smtClean="0">
+                            <a:latin typeface="Cambria Math" panose="02040503050406030204" pitchFamily="18" charset="0"/>
+                          </a:rPr>
+                          <m:t>𝛽</m:t>
+                        </m:r>
+                      </m:e>
+                      <m:sub>
+                        <m:r>
+                          <a:rPr lang="it-IT" b="0" i="1" smtClean="0">
+                            <a:latin typeface="Cambria Math" panose="02040503050406030204" pitchFamily="18" charset="0"/>
+                          </a:rPr>
+                          <m:t>𝑖</m:t>
+                        </m:r>
+                      </m:sub>
+                    </m:sSub>
+                  </m:oMath>
+                </a14:m>
+                <a:r>
+                  <a:rPr lang="en-US" dirty="0"/>
+                  <a:t> </a:t>
+                </a:r>
+              </a:p>
+              <a:p>
+                <a:pPr lvl="1"/>
+                <a14:m>
+                  <m:oMath xmlns:m="http://schemas.openxmlformats.org/officeDocument/2006/math">
+                    <m:r>
+                      <a:rPr lang="it-IT" b="0" i="1" smtClean="0">
+                        <a:latin typeface="Cambria Math" panose="02040503050406030204" pitchFamily="18" charset="0"/>
+                      </a:rPr>
+                      <m:t>𝛾</m:t>
+                    </m:r>
+                    <m:r>
+                      <a:rPr lang="it-IT" b="0" i="1" smtClean="0">
+                        <a:latin typeface="Cambria Math" panose="02040503050406030204" pitchFamily="18" charset="0"/>
+                      </a:rPr>
+                      <m:t>, </m:t>
+                    </m:r>
+                    <m:r>
+                      <a:rPr lang="it-IT" b="0" i="1" smtClean="0">
+                        <a:latin typeface="Cambria Math" panose="02040503050406030204" pitchFamily="18" charset="0"/>
+                      </a:rPr>
+                      <m:t>𝛽</m:t>
+                    </m:r>
+                  </m:oMath>
+                </a14:m>
+                <a:r>
+                  <a:rPr lang="en-US" dirty="0"/>
+                  <a:t> are learnable parameters of the module, optimized</a:t>
+                </a:r>
+              </a:p>
+              <a:p>
+                <a:r>
+                  <a:rPr lang="en-US" dirty="0"/>
+                  <a:t>Avoids extremely large output values of the module</a:t>
+                </a:r>
+              </a:p>
+            </p:txBody>
+          </p:sp>
+        </mc:Choice>
+        <mc:Fallback>
+          <p:sp>
+            <p:nvSpPr>
+              <p:cNvPr id="3" name="Espace réservé du texte 2">
+                <a:extLst>
+                  <a:ext uri="{FF2B5EF4-FFF2-40B4-BE49-F238E27FC236}">
+                    <a16:creationId xmlns:a16="http://schemas.microsoft.com/office/drawing/2014/main" id="{80E5D960-A47F-4E77-B2C0-36A83CD78BDD}"/>
+                  </a:ext>
+                </a:extLst>
+              </p:cNvPr>
+              <p:cNvSpPr>
+                <a:spLocks noGrp="1" noRot="1" noChangeAspect="1" noMove="1" noResize="1" noEditPoints="1" noAdjustHandles="1" noChangeArrowheads="1" noChangeShapeType="1" noTextEdit="1"/>
+              </p:cNvSpPr>
+              <p:nvPr>
+                <p:ph type="body" sz="quarter" idx="10"/>
+              </p:nvPr>
+            </p:nvSpPr>
+            <p:spPr>
+              <a:blipFill>
+                <a:blip r:embed="rId2"/>
+                <a:stretch>
+                  <a:fillRect l="-1333" t="-2734"/>
+                </a:stretch>
+              </a:blipFill>
+            </p:spPr>
+            <p:txBody>
+              <a:bodyPr/>
+              <a:lstStyle/>
+              <a:p>
+                <a:r>
+                  <a:rPr lang="en-US">
+                    <a:noFill/>
+                  </a:rPr>
+                  <a:t> </a:t>
+                </a:r>
+              </a:p>
+            </p:txBody>
+          </p:sp>
+        </mc:Fallback>
+      </mc:AlternateContent>
     </p:spTree>
     <p:extLst>
       <p:ext uri="{BB962C8B-B14F-4D97-AF65-F5344CB8AC3E}">
@@ -2498,20 +3192,353 @@
         </p:nvSpPr>
         <p:spPr/>
         <p:txBody>
-          <a:bodyPr/>
+          <a:bodyPr>
+            <a:noAutofit/>
+          </a:bodyPr>
           <a:lstStyle/>
           <a:p>
             <a:r>
+              <a:rPr lang="en-US" dirty="0" err="1"/>
+              <a:t>Pytorch</a:t>
+            </a:r>
+            <a:r>
               <a:rPr lang="en-US" dirty="0"/>
-              <a:t>.train() and .eval()</a:t>
-            </a:r>
+              <a:t> implements regularization as additional </a:t>
+            </a:r>
+            <a:r>
+              <a:rPr lang="en-US" b="1" dirty="0"/>
+              <a:t>modules</a:t>
+            </a:r>
+          </a:p>
+          <a:p>
+            <a:pPr lvl="1"/>
+            <a:r>
+              <a:rPr lang="en-US" dirty="0" err="1"/>
+              <a:t>torch.nn.Dropout</a:t>
+            </a:r>
+            <a:r>
+              <a:rPr lang="en-US" dirty="0"/>
+              <a:t>()</a:t>
+            </a:r>
+          </a:p>
+          <a:p>
+            <a:pPr lvl="1"/>
+            <a:r>
+              <a:rPr lang="en-US" dirty="0"/>
+              <a:t>torch.nn.BatchNorm1d(), 2d(), 3d() </a:t>
+            </a:r>
+            <a:r>
+              <a:rPr lang="en-US" i="1" dirty="0"/>
+              <a:t># horrible naming convention</a:t>
+            </a:r>
+          </a:p>
+          <a:p>
+            <a:r>
+              <a:rPr lang="en-US" b="1" dirty="0" err="1"/>
+              <a:t>model.train</a:t>
+            </a:r>
+            <a:r>
+              <a:rPr lang="en-US" b="1" dirty="0"/>
+              <a:t>()</a:t>
+            </a:r>
+            <a:r>
+              <a:rPr lang="en-US" dirty="0"/>
+              <a:t> and </a:t>
+            </a:r>
+            <a:r>
+              <a:rPr lang="en-US" b="1" dirty="0"/>
+              <a:t>.eval()</a:t>
+            </a:r>
+            <a:r>
+              <a:rPr lang="en-US" dirty="0"/>
+              <a:t> to activate/deactivate reg. modules</a:t>
+            </a:r>
+          </a:p>
+          <a:p>
+            <a:r>
+              <a:rPr lang="en-US" dirty="0"/>
+              <a:t>L2 regularization is an </a:t>
+            </a:r>
+            <a:r>
+              <a:rPr lang="en-US" b="1" dirty="0"/>
+              <a:t>optimizer option</a:t>
+            </a:r>
+            <a:r>
+              <a:rPr lang="en-US" dirty="0"/>
+              <a:t>, </a:t>
+            </a:r>
+            <a:r>
+              <a:rPr lang="en-US" dirty="0" err="1"/>
+              <a:t>weight_decay</a:t>
+            </a:r>
+            <a:endParaRPr lang="en-US" b="1" dirty="0"/>
+          </a:p>
+          <a:p>
+            <a:pPr lvl="1"/>
+            <a:endParaRPr lang="en-US" dirty="0"/>
+          </a:p>
+          <a:p>
+            <a:endParaRPr lang="en-US" dirty="0"/>
+          </a:p>
+          <a:p>
+            <a:endParaRPr lang="en-US" dirty="0"/>
+          </a:p>
+          <a:p>
+            <a:endParaRPr lang="en-US" dirty="0"/>
+          </a:p>
+          <a:p>
+            <a:endParaRPr lang="en-US" dirty="0"/>
           </a:p>
         </p:txBody>
       </p:sp>
+      <p:pic>
+        <p:nvPicPr>
+          <p:cNvPr id="5" name="Image 4">
+            <a:extLst>
+              <a:ext uri="{FF2B5EF4-FFF2-40B4-BE49-F238E27FC236}">
+                <a16:creationId xmlns:a16="http://schemas.microsoft.com/office/drawing/2014/main" id="{13F199DE-885D-4DB0-8B26-840C6362FB7B}"/>
+              </a:ext>
+            </a:extLst>
+          </p:cNvPr>
+          <p:cNvPicPr>
+            <a:picLocks noChangeAspect="1"/>
+          </p:cNvPicPr>
+          <p:nvPr/>
+        </p:nvPicPr>
+        <p:blipFill>
+          <a:blip r:embed="rId2"/>
+          <a:stretch>
+            <a:fillRect/>
+          </a:stretch>
+        </p:blipFill>
+        <p:spPr>
+          <a:xfrm>
+            <a:off x="3071390" y="5609670"/>
+            <a:ext cx="6049219" cy="390580"/>
+          </a:xfrm>
+          <a:prstGeom prst="rect">
+            <a:avLst/>
+          </a:prstGeom>
+        </p:spPr>
+      </p:pic>
+      <p:pic>
+        <p:nvPicPr>
+          <p:cNvPr id="9" name="Image 8">
+            <a:extLst>
+              <a:ext uri="{FF2B5EF4-FFF2-40B4-BE49-F238E27FC236}">
+                <a16:creationId xmlns:a16="http://schemas.microsoft.com/office/drawing/2014/main" id="{4914ABB1-BCAC-4F98-A942-928481FBA4A5}"/>
+              </a:ext>
+            </a:extLst>
+          </p:cNvPr>
+          <p:cNvPicPr>
+            <a:picLocks noChangeAspect="1"/>
+          </p:cNvPicPr>
+          <p:nvPr/>
+        </p:nvPicPr>
+        <p:blipFill>
+          <a:blip r:embed="rId3"/>
+          <a:stretch>
+            <a:fillRect/>
+          </a:stretch>
+        </p:blipFill>
+        <p:spPr>
+          <a:xfrm>
+            <a:off x="2172517" y="3994608"/>
+            <a:ext cx="7846966" cy="1644401"/>
+          </a:xfrm>
+          <a:prstGeom prst="rect">
+            <a:avLst/>
+          </a:prstGeom>
+        </p:spPr>
+      </p:pic>
     </p:spTree>
     <p:extLst>
       <p:ext uri="{BB962C8B-B14F-4D97-AF65-F5344CB8AC3E}">
         <p14:creationId xmlns:p14="http://schemas.microsoft.com/office/powerpoint/2010/main" val="3373102753"/>
+      </p:ext>
+    </p:extLst>
+  </p:cSld>
+  <p:clrMapOvr>
+    <a:masterClrMapping/>
+  </p:clrMapOvr>
+</p:sld>
+</file>
+
+<file path=ppt/slides/slide9.xml><?xml version="1.0" encoding="utf-8"?>
+<p:sld xmlns:a="http://schemas.openxmlformats.org/drawingml/2006/main" xmlns:r="http://schemas.openxmlformats.org/officeDocument/2006/relationships" xmlns:p="http://schemas.openxmlformats.org/presentationml/2006/main">
+  <p:cSld>
+    <p:spTree>
+      <p:nvGrpSpPr>
+        <p:cNvPr id="1" name=""/>
+        <p:cNvGrpSpPr/>
+        <p:nvPr/>
+      </p:nvGrpSpPr>
+      <p:grpSpPr>
+        <a:xfrm>
+          <a:off x="0" y="0"/>
+          <a:ext cx="0" cy="0"/>
+          <a:chOff x="0" y="0"/>
+          <a:chExt cx="0" cy="0"/>
+        </a:xfrm>
+      </p:grpSpPr>
+      <p:sp>
+        <p:nvSpPr>
+          <p:cNvPr id="4" name="Titre 3">
+            <a:extLst>
+              <a:ext uri="{FF2B5EF4-FFF2-40B4-BE49-F238E27FC236}">
+                <a16:creationId xmlns:a16="http://schemas.microsoft.com/office/drawing/2014/main" id="{B53E8A05-42BD-489E-BF5F-958C213739DF}"/>
+              </a:ext>
+            </a:extLst>
+          </p:cNvPr>
+          <p:cNvSpPr>
+            <a:spLocks noGrp="1"/>
+          </p:cNvSpPr>
+          <p:nvPr>
+            <p:ph type="ctrTitle"/>
+          </p:nvPr>
+        </p:nvSpPr>
+        <p:spPr/>
+        <p:txBody>
+          <a:bodyPr/>
+          <a:lstStyle/>
+          <a:p>
+            <a:r>
+              <a:rPr lang="en-US" dirty="0"/>
+              <a:t>Questions?</a:t>
+            </a:r>
+          </a:p>
+        </p:txBody>
+      </p:sp>
+      <p:sp>
+        <p:nvSpPr>
+          <p:cNvPr id="5" name="Sous-titre 4">
+            <a:extLst>
+              <a:ext uri="{FF2B5EF4-FFF2-40B4-BE49-F238E27FC236}">
+                <a16:creationId xmlns:a16="http://schemas.microsoft.com/office/drawing/2014/main" id="{CEB63DBD-0FC0-4057-AC92-1717C1D0ED55}"/>
+              </a:ext>
+            </a:extLst>
+          </p:cNvPr>
+          <p:cNvSpPr>
+            <a:spLocks noGrp="1"/>
+          </p:cNvSpPr>
+          <p:nvPr>
+            <p:ph type="subTitle" idx="1"/>
+          </p:nvPr>
+        </p:nvSpPr>
+        <p:spPr/>
+        <p:txBody>
+          <a:bodyPr>
+            <a:noAutofit/>
+          </a:bodyPr>
+          <a:lstStyle/>
+          <a:p>
+            <a:r>
+              <a:rPr lang="en-US" dirty="0"/>
+              <a:t>Bibliography</a:t>
+            </a:r>
+          </a:p>
+          <a:p>
+            <a:r>
+              <a:rPr lang="en-US" sz="1400" dirty="0"/>
+              <a:t>Images and videos: unless otherwise stated, I stole them from the Internet. I hope they are not copyrighted, or that their use falls under the Fair Use clause, and if not, I am sorry. Please don’t sue me.</a:t>
+            </a:r>
+          </a:p>
+        </p:txBody>
+      </p:sp>
+      <p:pic>
+        <p:nvPicPr>
+          <p:cNvPr id="6" name="Picture 2">
+            <a:extLst>
+              <a:ext uri="{FF2B5EF4-FFF2-40B4-BE49-F238E27FC236}">
+                <a16:creationId xmlns:a16="http://schemas.microsoft.com/office/drawing/2014/main" id="{6E214693-AB7E-4C54-8D7C-0391735F7C4F}"/>
+              </a:ext>
+            </a:extLst>
+          </p:cNvPr>
+          <p:cNvPicPr>
+            <a:picLocks noChangeAspect="1" noChangeArrowheads="1"/>
+          </p:cNvPicPr>
+          <p:nvPr/>
+        </p:nvPicPr>
+        <p:blipFill rotWithShape="1">
+          <a:blip r:embed="rId2" cstate="print">
+            <a:extLst>
+              <a:ext uri="{BEBA8EAE-BF5A-486C-A8C5-ECC9F3942E4B}">
+                <a14:imgProps xmlns:a14="http://schemas.microsoft.com/office/drawing/2010/main">
+                  <a14:imgLayer r:embed="rId3">
+                    <a14:imgEffect>
+                      <a14:backgroundRemoval t="22283" b="75673" l="54554" r="90983"/>
+                    </a14:imgEffect>
+                  </a14:imgLayer>
+                </a14:imgProps>
+              </a:ext>
+              <a:ext uri="{28A0092B-C50C-407E-A947-70E740481C1C}">
+                <a14:useLocalDpi xmlns:a14="http://schemas.microsoft.com/office/drawing/2010/main" val="0"/>
+              </a:ext>
+            </a:extLst>
+          </a:blip>
+          <a:srcRect l="50000" t="15610" r="4463" b="17653"/>
+          <a:stretch/>
+        </p:blipFill>
+        <p:spPr bwMode="auto">
+          <a:xfrm>
+            <a:off x="4938382" y="1037974"/>
+            <a:ext cx="1295445" cy="884352"/>
+          </a:xfrm>
+          <a:prstGeom prst="rect">
+            <a:avLst/>
+          </a:prstGeom>
+          <a:noFill/>
+          <a:extLst>
+            <a:ext uri="{909E8E84-426E-40DD-AFC4-6F175D3DCCD1}">
+              <a14:hiddenFill xmlns:a14="http://schemas.microsoft.com/office/drawing/2010/main">
+                <a:solidFill>
+                  <a:srgbClr val="FFFFFF"/>
+                </a:solidFill>
+              </a14:hiddenFill>
+            </a:ext>
+          </a:extLst>
+        </p:spPr>
+      </p:pic>
+      <p:pic>
+        <p:nvPicPr>
+          <p:cNvPr id="7" name="Image 6">
+            <a:extLst>
+              <a:ext uri="{FF2B5EF4-FFF2-40B4-BE49-F238E27FC236}">
+                <a16:creationId xmlns:a16="http://schemas.microsoft.com/office/drawing/2014/main" id="{414D43F9-35B6-46FA-B5D4-8F2F1AA72ED1}"/>
+              </a:ext>
+            </a:extLst>
+          </p:cNvPr>
+          <p:cNvPicPr>
+            <a:picLocks noChangeAspect="1"/>
+          </p:cNvPicPr>
+          <p:nvPr/>
+        </p:nvPicPr>
+        <p:blipFill>
+          <a:blip r:embed="rId4">
+            <a:extLst>
+              <a:ext uri="{28A0092B-C50C-407E-A947-70E740481C1C}">
+                <a14:useLocalDpi xmlns:a14="http://schemas.microsoft.com/office/drawing/2010/main" val="0"/>
+              </a:ext>
+            </a:extLst>
+          </a:blip>
+          <a:stretch>
+            <a:fillRect/>
+          </a:stretch>
+        </p:blipFill>
+        <p:spPr>
+          <a:xfrm>
+            <a:off x="6383826" y="1073027"/>
+            <a:ext cx="1642424" cy="574848"/>
+          </a:xfrm>
+          <a:prstGeom prst="rect">
+            <a:avLst/>
+          </a:prstGeom>
+        </p:spPr>
+      </p:pic>
+    </p:spTree>
+    <p:extLst>
+      <p:ext uri="{BB962C8B-B14F-4D97-AF65-F5344CB8AC3E}">
+        <p14:creationId xmlns:p14="http://schemas.microsoft.com/office/powerpoint/2010/main" val="938009228"/>
       </p:ext>
     </p:extLst>
   </p:cSld>

--- a/deep-learning-in-practice-with-pytorch/X-regularization.pptx
+++ b/deep-learning-in-practice-with-pytorch/X-regularization.pptx
@@ -2304,8 +2304,8 @@
           </a:p>
         </p:txBody>
       </p:sp>
-      <mc:AlternateContent xmlns:mc="http://schemas.openxmlformats.org/markup-compatibility/2006">
-        <mc:Choice xmlns:a14="http://schemas.microsoft.com/office/drawing/2010/main" Requires="a14">
+      <mc:AlternateContent xmlns:mc="http://schemas.openxmlformats.org/markup-compatibility/2006" xmlns:a14="http://schemas.microsoft.com/office/drawing/2010/main">
+        <mc:Choice Requires="a14">
           <p:sp>
             <p:nvSpPr>
               <p:cNvPr id="3" name="Espace réservé du texte 2">
@@ -2404,7 +2404,7 @@
             </p:txBody>
           </p:sp>
         </mc:Choice>
-        <mc:Fallback>
+        <mc:Fallback xmlns="">
           <p:sp>
             <p:nvSpPr>
               <p:cNvPr id="3" name="Espace réservé du texte 2">
@@ -3069,6 +3069,40 @@
                   <a:t>Avoids extremely large output values of the module</a:t>
                 </a:r>
               </a:p>
+              <a:p>
+                <a:r>
+                  <a:rPr lang="en-US" dirty="0"/>
+                  <a:t>In test/validation, </a:t>
+                </a:r>
+                <a14:m>
+                  <m:oMath xmlns:m="http://schemas.openxmlformats.org/officeDocument/2006/math">
+                    <m:r>
+                      <a:rPr lang="it-IT" b="0" i="1" smtClean="0">
+                        <a:latin typeface="Cambria Math" panose="02040503050406030204" pitchFamily="18" charset="0"/>
+                      </a:rPr>
+                      <m:t>𝛾</m:t>
+                    </m:r>
+                  </m:oMath>
+                </a14:m>
+                <a:r>
+                  <a:rPr lang="en-US" dirty="0"/>
+                  <a:t> and </a:t>
+                </a:r>
+                <a14:m>
+                  <m:oMath xmlns:m="http://schemas.openxmlformats.org/officeDocument/2006/math">
+                    <m:r>
+                      <a:rPr lang="it-IT" b="0" i="1" smtClean="0">
+                        <a:latin typeface="Cambria Math" panose="02040503050406030204" pitchFamily="18" charset="0"/>
+                      </a:rPr>
+                      <m:t>𝛽</m:t>
+                    </m:r>
+                  </m:oMath>
+                </a14:m>
+                <a:r>
+                  <a:rPr lang="en-US" dirty="0"/>
+                  <a:t> are set to means of values seen during training</a:t>
+                </a:r>
+              </a:p>
             </p:txBody>
           </p:sp>
         </mc:Choice>

--- a/deep-learning-in-practice-with-pytorch/X-regularization.pptx
+++ b/deep-learning-in-practice-with-pytorch/X-regularization.pptx
@@ -2642,7 +2642,15 @@
             <a:pPr lvl="1"/>
             <a:r>
               <a:rPr lang="en-US" dirty="0"/>
-              <a:t>Can be applied (or less) independently to each module</a:t>
+              <a:t>Can be applied (</a:t>
+            </a:r>
+            <a:r>
+              <a:rPr lang="en-US"/>
+              <a:t>or not) </a:t>
+            </a:r>
+            <a:r>
+              <a:rPr lang="en-US" dirty="0"/>
+              <a:t>independently to each module</a:t>
             </a:r>
           </a:p>
           <a:p>
@@ -2709,8 +2717,8 @@
           </a:p>
         </p:txBody>
       </p:sp>
-      <mc:AlternateContent xmlns:mc="http://schemas.openxmlformats.org/markup-compatibility/2006">
-        <mc:Choice xmlns:a14="http://schemas.microsoft.com/office/drawing/2010/main" Requires="a14">
+      <mc:AlternateContent xmlns:mc="http://schemas.openxmlformats.org/markup-compatibility/2006" xmlns:a14="http://schemas.microsoft.com/office/drawing/2010/main">
+        <mc:Choice Requires="a14">
           <p:sp>
             <p:nvSpPr>
               <p:cNvPr id="3" name="Espace réservé du texte 2">
@@ -3106,7 +3114,7 @@
             </p:txBody>
           </p:sp>
         </mc:Choice>
-        <mc:Fallback>
+        <mc:Fallback xmlns="">
           <p:sp>
             <p:nvSpPr>
               <p:cNvPr id="3" name="Espace réservé du texte 2">
